--- a/유니티 ppt/unity 17. 1.24.pptx
+++ b/유니티 ppt/unity 17. 1.24.pptx
@@ -206,14 +206,14 @@
           <a:effectLst/>
           <a:extLst>
             <a:ext uri="{909E8E84-426E-40DD-AFC4-6F175D3DCCD1}">
-              <a14:hiddenFill xmlns:a14="http://schemas.microsoft.com/office/drawing/2010/main" xmlns="">
+              <a14:hiddenFill xmlns="" xmlns:a14="http://schemas.microsoft.com/office/drawing/2010/main">
                 <a:solidFill>
                   <a:schemeClr val="accent1"/>
                 </a:solidFill>
               </a14:hiddenFill>
             </a:ext>
             <a:ext uri="{91240B29-F687-4F45-9708-019B960494DF}">
-              <a14:hiddenLine xmlns:a14="http://schemas.microsoft.com/office/drawing/2010/main" xmlns="" w="9525">
+              <a14:hiddenLine xmlns="" xmlns:a14="http://schemas.microsoft.com/office/drawing/2010/main" w="9525">
                 <a:solidFill>
                   <a:schemeClr val="tx1"/>
                 </a:solidFill>
@@ -223,7 +223,7 @@
               </a14:hiddenLine>
             </a:ext>
             <a:ext uri="{AF507438-7753-43E0-B8FC-AC1667EBCBE1}">
-              <a14:hiddenEffects xmlns:a14="http://schemas.microsoft.com/office/drawing/2010/main" xmlns="">
+              <a14:hiddenEffects xmlns="" xmlns:a14="http://schemas.microsoft.com/office/drawing/2010/main">
                 <a:effectLst>
                   <a:outerShdw dist="35921" dir="2700000" algn="ctr" rotWithShape="0">
                     <a:schemeClr val="bg2"/>
@@ -274,14 +274,14 @@
           <a:effectLst/>
           <a:extLst>
             <a:ext uri="{909E8E84-426E-40DD-AFC4-6F175D3DCCD1}">
-              <a14:hiddenFill xmlns:a14="http://schemas.microsoft.com/office/drawing/2010/main" xmlns="">
+              <a14:hiddenFill xmlns="" xmlns:a14="http://schemas.microsoft.com/office/drawing/2010/main">
                 <a:solidFill>
                   <a:schemeClr val="accent1"/>
                 </a:solidFill>
               </a14:hiddenFill>
             </a:ext>
             <a:ext uri="{91240B29-F687-4F45-9708-019B960494DF}">
-              <a14:hiddenLine xmlns:a14="http://schemas.microsoft.com/office/drawing/2010/main" xmlns="" w="9525">
+              <a14:hiddenLine xmlns="" xmlns:a14="http://schemas.microsoft.com/office/drawing/2010/main" w="9525">
                 <a:solidFill>
                   <a:schemeClr val="tx1"/>
                 </a:solidFill>
@@ -291,7 +291,7 @@
               </a14:hiddenLine>
             </a:ext>
             <a:ext uri="{AF507438-7753-43E0-B8FC-AC1667EBCBE1}">
-              <a14:hiddenEffects xmlns:a14="http://schemas.microsoft.com/office/drawing/2010/main" xmlns="">
+              <a14:hiddenEffects xmlns="" xmlns:a14="http://schemas.microsoft.com/office/drawing/2010/main">
                 <a:effectLst>
                   <a:outerShdw dist="35921" dir="2700000" algn="ctr" rotWithShape="0">
                     <a:schemeClr val="bg2"/>
@@ -342,14 +342,14 @@
           <a:effectLst/>
           <a:extLst>
             <a:ext uri="{909E8E84-426E-40DD-AFC4-6F175D3DCCD1}">
-              <a14:hiddenFill xmlns:a14="http://schemas.microsoft.com/office/drawing/2010/main" xmlns="">
+              <a14:hiddenFill xmlns="" xmlns:a14="http://schemas.microsoft.com/office/drawing/2010/main">
                 <a:solidFill>
                   <a:schemeClr val="accent1"/>
                 </a:solidFill>
               </a14:hiddenFill>
             </a:ext>
             <a:ext uri="{91240B29-F687-4F45-9708-019B960494DF}">
-              <a14:hiddenLine xmlns:a14="http://schemas.microsoft.com/office/drawing/2010/main" xmlns="" w="9525">
+              <a14:hiddenLine xmlns="" xmlns:a14="http://schemas.microsoft.com/office/drawing/2010/main" w="9525">
                 <a:solidFill>
                   <a:schemeClr val="tx1"/>
                 </a:solidFill>
@@ -359,7 +359,7 @@
               </a14:hiddenLine>
             </a:ext>
             <a:ext uri="{AF507438-7753-43E0-B8FC-AC1667EBCBE1}">
-              <a14:hiddenEffects xmlns:a14="http://schemas.microsoft.com/office/drawing/2010/main" xmlns="">
+              <a14:hiddenEffects xmlns="" xmlns:a14="http://schemas.microsoft.com/office/drawing/2010/main">
                 <a:effectLst>
                   <a:outerShdw dist="35921" dir="2700000" algn="ctr" rotWithShape="0">
                     <a:schemeClr val="bg2"/>
@@ -410,14 +410,14 @@
           <a:effectLst/>
           <a:extLst>
             <a:ext uri="{909E8E84-426E-40DD-AFC4-6F175D3DCCD1}">
-              <a14:hiddenFill xmlns:a14="http://schemas.microsoft.com/office/drawing/2010/main" xmlns="">
+              <a14:hiddenFill xmlns="" xmlns:a14="http://schemas.microsoft.com/office/drawing/2010/main">
                 <a:solidFill>
                   <a:schemeClr val="accent1"/>
                 </a:solidFill>
               </a14:hiddenFill>
             </a:ext>
             <a:ext uri="{91240B29-F687-4F45-9708-019B960494DF}">
-              <a14:hiddenLine xmlns:a14="http://schemas.microsoft.com/office/drawing/2010/main" xmlns="" w="9525">
+              <a14:hiddenLine xmlns="" xmlns:a14="http://schemas.microsoft.com/office/drawing/2010/main" w="9525">
                 <a:solidFill>
                   <a:schemeClr val="tx1"/>
                 </a:solidFill>
@@ -427,7 +427,7 @@
               </a14:hiddenLine>
             </a:ext>
             <a:ext uri="{AF507438-7753-43E0-B8FC-AC1667EBCBE1}">
-              <a14:hiddenEffects xmlns:a14="http://schemas.microsoft.com/office/drawing/2010/main" xmlns="">
+              <a14:hiddenEffects xmlns="" xmlns:a14="http://schemas.microsoft.com/office/drawing/2010/main">
                 <a:effectLst>
                   <a:outerShdw dist="35921" dir="2700000" algn="ctr" rotWithShape="0">
                     <a:schemeClr val="bg2"/>
@@ -461,7 +461,7 @@
     </p:spTree>
     <p:extLst>
       <p:ext uri="{BB962C8B-B14F-4D97-AF65-F5344CB8AC3E}">
-        <p14:creationId xmlns:p14="http://schemas.microsoft.com/office/powerpoint/2010/main" xmlns="" val="3164634251"/>
+        <p14:creationId xmlns="" xmlns:p14="http://schemas.microsoft.com/office/powerpoint/2010/main" val="3164634251"/>
       </p:ext>
     </p:extLst>
   </p:cSld>
@@ -519,14 +519,14 @@
           <a:effectLst/>
           <a:extLst>
             <a:ext uri="{909E8E84-426E-40DD-AFC4-6F175D3DCCD1}">
-              <a14:hiddenFill xmlns:a14="http://schemas.microsoft.com/office/drawing/2010/main" xmlns="">
+              <a14:hiddenFill xmlns="" xmlns:a14="http://schemas.microsoft.com/office/drawing/2010/main">
                 <a:solidFill>
                   <a:schemeClr val="accent1"/>
                 </a:solidFill>
               </a14:hiddenFill>
             </a:ext>
             <a:ext uri="{91240B29-F687-4F45-9708-019B960494DF}">
-              <a14:hiddenLine xmlns:a14="http://schemas.microsoft.com/office/drawing/2010/main" xmlns="" w="9525">
+              <a14:hiddenLine xmlns="" xmlns:a14="http://schemas.microsoft.com/office/drawing/2010/main" w="9525">
                 <a:solidFill>
                   <a:schemeClr val="tx1"/>
                 </a:solidFill>
@@ -536,7 +536,7 @@
               </a14:hiddenLine>
             </a:ext>
             <a:ext uri="{AF507438-7753-43E0-B8FC-AC1667EBCBE1}">
-              <a14:hiddenEffects xmlns:a14="http://schemas.microsoft.com/office/drawing/2010/main" xmlns="">
+              <a14:hiddenEffects xmlns="" xmlns:a14="http://schemas.microsoft.com/office/drawing/2010/main">
                 <a:effectLst>
                   <a:outerShdw dist="35921" dir="2700000" algn="ctr" rotWithShape="0">
                     <a:schemeClr val="bg2"/>
@@ -587,14 +587,14 @@
           <a:effectLst/>
           <a:extLst>
             <a:ext uri="{909E8E84-426E-40DD-AFC4-6F175D3DCCD1}">
-              <a14:hiddenFill xmlns:a14="http://schemas.microsoft.com/office/drawing/2010/main" xmlns="">
+              <a14:hiddenFill xmlns="" xmlns:a14="http://schemas.microsoft.com/office/drawing/2010/main">
                 <a:solidFill>
                   <a:schemeClr val="accent1"/>
                 </a:solidFill>
               </a14:hiddenFill>
             </a:ext>
             <a:ext uri="{91240B29-F687-4F45-9708-019B960494DF}">
-              <a14:hiddenLine xmlns:a14="http://schemas.microsoft.com/office/drawing/2010/main" xmlns="" w="9525">
+              <a14:hiddenLine xmlns="" xmlns:a14="http://schemas.microsoft.com/office/drawing/2010/main" w="9525">
                 <a:solidFill>
                   <a:schemeClr val="tx1"/>
                 </a:solidFill>
@@ -604,7 +604,7 @@
               </a14:hiddenLine>
             </a:ext>
             <a:ext uri="{AF507438-7753-43E0-B8FC-AC1667EBCBE1}">
-              <a14:hiddenEffects xmlns:a14="http://schemas.microsoft.com/office/drawing/2010/main" xmlns="">
+              <a14:hiddenEffects xmlns="" xmlns:a14="http://schemas.microsoft.com/office/drawing/2010/main">
                 <a:effectLst>
                   <a:outerShdw dist="35921" dir="2700000" algn="ctr" rotWithShape="0">
                     <a:schemeClr val="bg2"/>
@@ -660,7 +660,7 @@
           <a:effectLst/>
           <a:extLst>
             <a:ext uri="{AF507438-7753-43E0-B8FC-AC1667EBCBE1}">
-              <a14:hiddenEffects xmlns:a14="http://schemas.microsoft.com/office/drawing/2010/main" xmlns="">
+              <a14:hiddenEffects xmlns="" xmlns:a14="http://schemas.microsoft.com/office/drawing/2010/main">
                 <a:effectLst>
                   <a:outerShdw dist="35921" dir="2700000" algn="ctr" rotWithShape="0">
                     <a:srgbClr val="808080"/>
@@ -669,7 +669,7 @@
               </a14:hiddenEffects>
             </a:ext>
             <a:ext uri="{53640926-AAD7-44D8-BBD7-CCE9431645EC}">
-              <a14:shadowObscured xmlns:a14="http://schemas.microsoft.com/office/drawing/2010/main" xmlns="" val="1"/>
+              <a14:shadowObscured xmlns="" xmlns:a14="http://schemas.microsoft.com/office/drawing/2010/main" val="1"/>
             </a:ext>
           </a:extLst>
         </p:spPr>
@@ -699,14 +699,14 @@
           <a:effectLst/>
           <a:extLst>
             <a:ext uri="{909E8E84-426E-40DD-AFC4-6F175D3DCCD1}">
-              <a14:hiddenFill xmlns:a14="http://schemas.microsoft.com/office/drawing/2010/main" xmlns="">
+              <a14:hiddenFill xmlns="" xmlns:a14="http://schemas.microsoft.com/office/drawing/2010/main">
                 <a:solidFill>
                   <a:schemeClr val="accent1"/>
                 </a:solidFill>
               </a14:hiddenFill>
             </a:ext>
             <a:ext uri="{91240B29-F687-4F45-9708-019B960494DF}">
-              <a14:hiddenLine xmlns:a14="http://schemas.microsoft.com/office/drawing/2010/main" xmlns="" w="9525">
+              <a14:hiddenLine xmlns="" xmlns:a14="http://schemas.microsoft.com/office/drawing/2010/main" w="9525">
                 <a:solidFill>
                   <a:schemeClr val="tx1"/>
                 </a:solidFill>
@@ -716,7 +716,7 @@
               </a14:hiddenLine>
             </a:ext>
             <a:ext uri="{AF507438-7753-43E0-B8FC-AC1667EBCBE1}">
-              <a14:hiddenEffects xmlns:a14="http://schemas.microsoft.com/office/drawing/2010/main" xmlns="">
+              <a14:hiddenEffects xmlns="" xmlns:a14="http://schemas.microsoft.com/office/drawing/2010/main">
                 <a:effectLst>
                   <a:outerShdw dist="35921" dir="2700000" algn="ctr" rotWithShape="0">
                     <a:schemeClr val="bg2"/>
@@ -795,14 +795,14 @@
           <a:effectLst/>
           <a:extLst>
             <a:ext uri="{909E8E84-426E-40DD-AFC4-6F175D3DCCD1}">
-              <a14:hiddenFill xmlns:a14="http://schemas.microsoft.com/office/drawing/2010/main" xmlns="">
+              <a14:hiddenFill xmlns="" xmlns:a14="http://schemas.microsoft.com/office/drawing/2010/main">
                 <a:solidFill>
                   <a:schemeClr val="accent1"/>
                 </a:solidFill>
               </a14:hiddenFill>
             </a:ext>
             <a:ext uri="{91240B29-F687-4F45-9708-019B960494DF}">
-              <a14:hiddenLine xmlns:a14="http://schemas.microsoft.com/office/drawing/2010/main" xmlns="" w="9525">
+              <a14:hiddenLine xmlns="" xmlns:a14="http://schemas.microsoft.com/office/drawing/2010/main" w="9525">
                 <a:solidFill>
                   <a:schemeClr val="tx1"/>
                 </a:solidFill>
@@ -812,7 +812,7 @@
               </a14:hiddenLine>
             </a:ext>
             <a:ext uri="{AF507438-7753-43E0-B8FC-AC1667EBCBE1}">
-              <a14:hiddenEffects xmlns:a14="http://schemas.microsoft.com/office/drawing/2010/main" xmlns="">
+              <a14:hiddenEffects xmlns="" xmlns:a14="http://schemas.microsoft.com/office/drawing/2010/main">
                 <a:effectLst>
                   <a:outerShdw dist="35921" dir="2700000" algn="ctr" rotWithShape="0">
                     <a:schemeClr val="bg2"/>
@@ -863,14 +863,14 @@
           <a:effectLst/>
           <a:extLst>
             <a:ext uri="{909E8E84-426E-40DD-AFC4-6F175D3DCCD1}">
-              <a14:hiddenFill xmlns:a14="http://schemas.microsoft.com/office/drawing/2010/main" xmlns="">
+              <a14:hiddenFill xmlns="" xmlns:a14="http://schemas.microsoft.com/office/drawing/2010/main">
                 <a:solidFill>
                   <a:schemeClr val="accent1"/>
                 </a:solidFill>
               </a14:hiddenFill>
             </a:ext>
             <a:ext uri="{91240B29-F687-4F45-9708-019B960494DF}">
-              <a14:hiddenLine xmlns:a14="http://schemas.microsoft.com/office/drawing/2010/main" xmlns="" w="9525">
+              <a14:hiddenLine xmlns="" xmlns:a14="http://schemas.microsoft.com/office/drawing/2010/main" w="9525">
                 <a:solidFill>
                   <a:schemeClr val="tx1"/>
                 </a:solidFill>
@@ -880,7 +880,7 @@
               </a14:hiddenLine>
             </a:ext>
             <a:ext uri="{AF507438-7753-43E0-B8FC-AC1667EBCBE1}">
-              <a14:hiddenEffects xmlns:a14="http://schemas.microsoft.com/office/drawing/2010/main" xmlns="">
+              <a14:hiddenEffects xmlns="" xmlns:a14="http://schemas.microsoft.com/office/drawing/2010/main">
                 <a:effectLst>
                   <a:outerShdw dist="35921" dir="2700000" algn="ctr" rotWithShape="0">
                     <a:schemeClr val="bg2"/>
@@ -914,7 +914,7 @@
     </p:spTree>
     <p:extLst>
       <p:ext uri="{BB962C8B-B14F-4D97-AF65-F5344CB8AC3E}">
-        <p14:creationId xmlns:p14="http://schemas.microsoft.com/office/powerpoint/2010/main" xmlns="" val="841280231"/>
+        <p14:creationId xmlns="" xmlns:p14="http://schemas.microsoft.com/office/powerpoint/2010/main" val="841280231"/>
       </p:ext>
     </p:extLst>
   </p:cSld>
@@ -1233,7 +1233,7 @@
           <a:effectLst/>
           <a:extLst>
             <a:ext uri="{91240B29-F687-4F45-9708-019B960494DF}">
-              <a14:hiddenLine xmlns:a14="http://schemas.microsoft.com/office/drawing/2010/main" xmlns="" w="9525">
+              <a14:hiddenLine xmlns="" xmlns:a14="http://schemas.microsoft.com/office/drawing/2010/main" w="9525">
                 <a:solidFill>
                   <a:schemeClr val="tx1"/>
                 </a:solidFill>
@@ -1243,7 +1243,7 @@
               </a14:hiddenLine>
             </a:ext>
             <a:ext uri="{AF507438-7753-43E0-B8FC-AC1667EBCBE1}">
-              <a14:hiddenEffects xmlns:a14="http://schemas.microsoft.com/office/drawing/2010/main" xmlns="">
+              <a14:hiddenEffects xmlns="" xmlns:a14="http://schemas.microsoft.com/office/drawing/2010/main">
                 <a:effectLst>
                   <a:outerShdw dist="35921" dir="2700000" algn="ctr" rotWithShape="0">
                     <a:schemeClr val="bg2"/>
@@ -1284,14 +1284,14 @@
           <a:effectLst/>
           <a:extLst>
             <a:ext uri="{909E8E84-426E-40DD-AFC4-6F175D3DCCD1}">
-              <a14:hiddenFill xmlns:a14="http://schemas.microsoft.com/office/drawing/2010/main" xmlns="">
+              <a14:hiddenFill xmlns="" xmlns:a14="http://schemas.microsoft.com/office/drawing/2010/main">
                 <a:solidFill>
                   <a:schemeClr val="accent1"/>
                 </a:solidFill>
               </a14:hiddenFill>
             </a:ext>
             <a:ext uri="{91240B29-F687-4F45-9708-019B960494DF}">
-              <a14:hiddenLine xmlns:a14="http://schemas.microsoft.com/office/drawing/2010/main" xmlns="" w="9525">
+              <a14:hiddenLine xmlns="" xmlns:a14="http://schemas.microsoft.com/office/drawing/2010/main" w="9525">
                 <a:solidFill>
                   <a:srgbClr val="FFFFFF"/>
                 </a:solidFill>
@@ -1301,7 +1301,7 @@
               </a14:hiddenLine>
             </a:ext>
             <a:ext uri="{AF507438-7753-43E0-B8FC-AC1667EBCBE1}">
-              <a14:hiddenEffects xmlns:a14="http://schemas.microsoft.com/office/drawing/2010/main" xmlns="">
+              <a14:hiddenEffects xmlns="" xmlns:a14="http://schemas.microsoft.com/office/drawing/2010/main">
                 <a:effectLst>
                   <a:outerShdw dist="35921" dir="2700000" algn="ctr" rotWithShape="0">
                     <a:schemeClr val="bg2"/>
@@ -1501,7 +1501,7 @@
     </p:spTree>
     <p:extLst>
       <p:ext uri="{BB962C8B-B14F-4D97-AF65-F5344CB8AC3E}">
-        <p14:creationId xmlns:p14="http://schemas.microsoft.com/office/powerpoint/2010/main" xmlns="" val="1411104598"/>
+        <p14:creationId xmlns="" xmlns:p14="http://schemas.microsoft.com/office/powerpoint/2010/main" val="1411104598"/>
       </p:ext>
     </p:extLst>
   </p:cSld>
@@ -1644,7 +1644,7 @@
     </p:spTree>
     <p:extLst>
       <p:ext uri="{BB962C8B-B14F-4D97-AF65-F5344CB8AC3E}">
-        <p14:creationId xmlns:p14="http://schemas.microsoft.com/office/powerpoint/2010/main" xmlns="" val="362567413"/>
+        <p14:creationId xmlns="" xmlns:p14="http://schemas.microsoft.com/office/powerpoint/2010/main" val="362567413"/>
       </p:ext>
     </p:extLst>
   </p:cSld>
@@ -1777,7 +1777,7 @@
     </p:spTree>
     <p:extLst>
       <p:ext uri="{BB962C8B-B14F-4D97-AF65-F5344CB8AC3E}">
-        <p14:creationId xmlns:p14="http://schemas.microsoft.com/office/powerpoint/2010/main" xmlns="" val="1316154226"/>
+        <p14:creationId xmlns="" xmlns:p14="http://schemas.microsoft.com/office/powerpoint/2010/main" val="1316154226"/>
       </p:ext>
     </p:extLst>
   </p:cSld>
@@ -1932,7 +1932,7 @@
     </p:spTree>
     <p:extLst>
       <p:ext uri="{BB962C8B-B14F-4D97-AF65-F5344CB8AC3E}">
-        <p14:creationId xmlns:p14="http://schemas.microsoft.com/office/powerpoint/2010/main" xmlns="" val="1680507179"/>
+        <p14:creationId xmlns="" xmlns:p14="http://schemas.microsoft.com/office/powerpoint/2010/main" val="1680507179"/>
       </p:ext>
     </p:extLst>
   </p:cSld>
@@ -2183,7 +2183,7 @@
     </p:spTree>
     <p:extLst>
       <p:ext uri="{BB962C8B-B14F-4D97-AF65-F5344CB8AC3E}">
-        <p14:creationId xmlns:p14="http://schemas.microsoft.com/office/powerpoint/2010/main" xmlns="" val="167415826"/>
+        <p14:creationId xmlns="" xmlns:p14="http://schemas.microsoft.com/office/powerpoint/2010/main" val="167415826"/>
       </p:ext>
     </p:extLst>
   </p:cSld>
@@ -2573,7 +2573,7 @@
     </p:spTree>
     <p:extLst>
       <p:ext uri="{BB962C8B-B14F-4D97-AF65-F5344CB8AC3E}">
-        <p14:creationId xmlns:p14="http://schemas.microsoft.com/office/powerpoint/2010/main" xmlns="" val="1240705544"/>
+        <p14:creationId xmlns="" xmlns:p14="http://schemas.microsoft.com/office/powerpoint/2010/main" val="1240705544"/>
       </p:ext>
     </p:extLst>
   </p:cSld>
@@ -2654,7 +2654,7 @@
     </p:spTree>
     <p:extLst>
       <p:ext uri="{BB962C8B-B14F-4D97-AF65-F5344CB8AC3E}">
-        <p14:creationId xmlns:p14="http://schemas.microsoft.com/office/powerpoint/2010/main" xmlns="" val="1154259471"/>
+        <p14:creationId xmlns="" xmlns:p14="http://schemas.microsoft.com/office/powerpoint/2010/main" val="1154259471"/>
       </p:ext>
     </p:extLst>
   </p:cSld>
@@ -2712,7 +2712,7 @@
     </p:spTree>
     <p:extLst>
       <p:ext uri="{BB962C8B-B14F-4D97-AF65-F5344CB8AC3E}">
-        <p14:creationId xmlns:p14="http://schemas.microsoft.com/office/powerpoint/2010/main" xmlns="" val="2140515614"/>
+        <p14:creationId xmlns="" xmlns:p14="http://schemas.microsoft.com/office/powerpoint/2010/main" val="2140515614"/>
       </p:ext>
     </p:extLst>
   </p:cSld>
@@ -2952,7 +2952,7 @@
     </p:spTree>
     <p:extLst>
       <p:ext uri="{BB962C8B-B14F-4D97-AF65-F5344CB8AC3E}">
-        <p14:creationId xmlns:p14="http://schemas.microsoft.com/office/powerpoint/2010/main" xmlns="" val="1987763440"/>
+        <p14:creationId xmlns="" xmlns:p14="http://schemas.microsoft.com/office/powerpoint/2010/main" val="1987763440"/>
       </p:ext>
     </p:extLst>
   </p:cSld>
@@ -3168,7 +3168,7 @@
     </p:spTree>
     <p:extLst>
       <p:ext uri="{BB962C8B-B14F-4D97-AF65-F5344CB8AC3E}">
-        <p14:creationId xmlns:p14="http://schemas.microsoft.com/office/powerpoint/2010/main" xmlns="" val="1093278620"/>
+        <p14:creationId xmlns="" xmlns:p14="http://schemas.microsoft.com/office/powerpoint/2010/main" val="1093278620"/>
       </p:ext>
     </p:extLst>
   </p:cSld>
@@ -3228,14 +3228,14 @@
           <a:effectLst/>
           <a:extLst>
             <a:ext uri="{909E8E84-426E-40DD-AFC4-6F175D3DCCD1}">
-              <a14:hiddenFill xmlns:a14="http://schemas.microsoft.com/office/drawing/2010/main" xmlns="">
+              <a14:hiddenFill xmlns="" xmlns:a14="http://schemas.microsoft.com/office/drawing/2010/main">
                 <a:solidFill>
                   <a:schemeClr val="accent1"/>
                 </a:solidFill>
               </a14:hiddenFill>
             </a:ext>
             <a:ext uri="{91240B29-F687-4F45-9708-019B960494DF}">
-              <a14:hiddenLine xmlns:a14="http://schemas.microsoft.com/office/drawing/2010/main" xmlns="" w="9525">
+              <a14:hiddenLine xmlns="" xmlns:a14="http://schemas.microsoft.com/office/drawing/2010/main" w="9525">
                 <a:solidFill>
                   <a:schemeClr val="tx1"/>
                 </a:solidFill>
@@ -3245,7 +3245,7 @@
               </a14:hiddenLine>
             </a:ext>
             <a:ext uri="{AF507438-7753-43E0-B8FC-AC1667EBCBE1}">
-              <a14:hiddenEffects xmlns:a14="http://schemas.microsoft.com/office/drawing/2010/main" xmlns="">
+              <a14:hiddenEffects xmlns="" xmlns:a14="http://schemas.microsoft.com/office/drawing/2010/main">
                 <a:effectLst>
                   <a:outerShdw dist="35921" dir="2700000" algn="ctr" rotWithShape="0">
                     <a:schemeClr val="bg2"/>
@@ -3296,14 +3296,14 @@
           <a:effectLst/>
           <a:extLst>
             <a:ext uri="{909E8E84-426E-40DD-AFC4-6F175D3DCCD1}">
-              <a14:hiddenFill xmlns:a14="http://schemas.microsoft.com/office/drawing/2010/main" xmlns="">
+              <a14:hiddenFill xmlns="" xmlns:a14="http://schemas.microsoft.com/office/drawing/2010/main">
                 <a:solidFill>
                   <a:schemeClr val="accent1"/>
                 </a:solidFill>
               </a14:hiddenFill>
             </a:ext>
             <a:ext uri="{91240B29-F687-4F45-9708-019B960494DF}">
-              <a14:hiddenLine xmlns:a14="http://schemas.microsoft.com/office/drawing/2010/main" xmlns="" w="9525">
+              <a14:hiddenLine xmlns="" xmlns:a14="http://schemas.microsoft.com/office/drawing/2010/main" w="9525">
                 <a:solidFill>
                   <a:schemeClr val="tx1"/>
                 </a:solidFill>
@@ -3313,7 +3313,7 @@
               </a14:hiddenLine>
             </a:ext>
             <a:ext uri="{AF507438-7753-43E0-B8FC-AC1667EBCBE1}">
-              <a14:hiddenEffects xmlns:a14="http://schemas.microsoft.com/office/drawing/2010/main" xmlns="">
+              <a14:hiddenEffects xmlns="" xmlns:a14="http://schemas.microsoft.com/office/drawing/2010/main">
                 <a:effectLst>
                   <a:outerShdw dist="35921" dir="2700000" algn="ctr" rotWithShape="0">
                     <a:schemeClr val="bg2"/>
@@ -3385,14 +3385,14 @@
           <a:effectLst/>
           <a:extLst>
             <a:ext uri="{909E8E84-426E-40DD-AFC4-6F175D3DCCD1}">
-              <a14:hiddenFill xmlns:a14="http://schemas.microsoft.com/office/drawing/2010/main" xmlns="">
+              <a14:hiddenFill xmlns="" xmlns:a14="http://schemas.microsoft.com/office/drawing/2010/main">
                 <a:solidFill>
                   <a:schemeClr val="accent1"/>
                 </a:solidFill>
               </a14:hiddenFill>
             </a:ext>
             <a:ext uri="{91240B29-F687-4F45-9708-019B960494DF}">
-              <a14:hiddenLine xmlns:a14="http://schemas.microsoft.com/office/drawing/2010/main" xmlns="" w="9525">
+              <a14:hiddenLine xmlns="" xmlns:a14="http://schemas.microsoft.com/office/drawing/2010/main" w="9525">
                 <a:solidFill>
                   <a:schemeClr val="tx1"/>
                 </a:solidFill>
@@ -3402,7 +3402,7 @@
               </a14:hiddenLine>
             </a:ext>
             <a:ext uri="{AF507438-7753-43E0-B8FC-AC1667EBCBE1}">
-              <a14:hiddenEffects xmlns:a14="http://schemas.microsoft.com/office/drawing/2010/main" xmlns="">
+              <a14:hiddenEffects xmlns="" xmlns:a14="http://schemas.microsoft.com/office/drawing/2010/main">
                 <a:effectLst>
                   <a:outerShdw dist="35921" dir="2700000" algn="ctr" rotWithShape="0">
                     <a:schemeClr val="bg2"/>
@@ -3461,7 +3461,7 @@
           <a:effectLst/>
           <a:extLst>
             <a:ext uri="{91240B29-F687-4F45-9708-019B960494DF}">
-              <a14:hiddenLine xmlns:a14="http://schemas.microsoft.com/office/drawing/2010/main" xmlns="" w="9525">
+              <a14:hiddenLine xmlns="" xmlns:a14="http://schemas.microsoft.com/office/drawing/2010/main" w="9525">
                 <a:solidFill>
                   <a:schemeClr val="tx1"/>
                 </a:solidFill>
@@ -3471,7 +3471,7 @@
               </a14:hiddenLine>
             </a:ext>
             <a:ext uri="{AF507438-7753-43E0-B8FC-AC1667EBCBE1}">
-              <a14:hiddenEffects xmlns:a14="http://schemas.microsoft.com/office/drawing/2010/main" xmlns="">
+              <a14:hiddenEffects xmlns="" xmlns:a14="http://schemas.microsoft.com/office/drawing/2010/main">
                 <a:effectLst>
                   <a:outerShdw dist="35921" dir="2700000" algn="ctr" rotWithShape="0">
                     <a:schemeClr val="bg2"/>
@@ -3529,7 +3529,7 @@
           <a:effectLst/>
           <a:extLst>
             <a:ext uri="{91240B29-F687-4F45-9708-019B960494DF}">
-              <a14:hiddenLine xmlns:a14="http://schemas.microsoft.com/office/drawing/2010/main" xmlns="" w="9525">
+              <a14:hiddenLine xmlns="" xmlns:a14="http://schemas.microsoft.com/office/drawing/2010/main" w="9525">
                 <a:solidFill>
                   <a:schemeClr val="tx1"/>
                 </a:solidFill>
@@ -3539,7 +3539,7 @@
               </a14:hiddenLine>
             </a:ext>
             <a:ext uri="{AF507438-7753-43E0-B8FC-AC1667EBCBE1}">
-              <a14:hiddenEffects xmlns:a14="http://schemas.microsoft.com/office/drawing/2010/main" xmlns="">
+              <a14:hiddenEffects xmlns="" xmlns:a14="http://schemas.microsoft.com/office/drawing/2010/main">
                 <a:effectLst>
                   <a:outerShdw dist="35921" dir="2700000" algn="ctr" rotWithShape="0">
                     <a:schemeClr val="bg2"/>
@@ -3589,12 +3589,12 @@
           <a:effectLst/>
           <a:extLst>
             <a:ext uri="{909E8E84-426E-40DD-AFC4-6F175D3DCCD1}">
-              <a14:hiddenFill xmlns:a14="http://schemas.microsoft.com/office/drawing/2010/main" xmlns="">
+              <a14:hiddenFill xmlns="" xmlns:a14="http://schemas.microsoft.com/office/drawing/2010/main">
                 <a:noFill/>
               </a14:hiddenFill>
             </a:ext>
             <a:ext uri="{AF507438-7753-43E0-B8FC-AC1667EBCBE1}">
-              <a14:hiddenEffects xmlns:a14="http://schemas.microsoft.com/office/drawing/2010/main" xmlns="">
+              <a14:hiddenEffects xmlns="" xmlns:a14="http://schemas.microsoft.com/office/drawing/2010/main">
                 <a:effectLst>
                   <a:outerShdw dist="35921" dir="2700000" algn="ctr" rotWithShape="0">
                     <a:schemeClr val="bg2"/>
@@ -3638,14 +3638,14 @@
           <a:effectLst/>
           <a:extLst>
             <a:ext uri="{909E8E84-426E-40DD-AFC4-6F175D3DCCD1}">
-              <a14:hiddenFill xmlns:a14="http://schemas.microsoft.com/office/drawing/2010/main" xmlns="">
+              <a14:hiddenFill xmlns="" xmlns:a14="http://schemas.microsoft.com/office/drawing/2010/main">
                 <a:solidFill>
                   <a:schemeClr val="accent1"/>
                 </a:solidFill>
               </a14:hiddenFill>
             </a:ext>
             <a:ext uri="{91240B29-F687-4F45-9708-019B960494DF}">
-              <a14:hiddenLine xmlns:a14="http://schemas.microsoft.com/office/drawing/2010/main" xmlns="" w="9525">
+              <a14:hiddenLine xmlns="" xmlns:a14="http://schemas.microsoft.com/office/drawing/2010/main" w="9525">
                 <a:solidFill>
                   <a:schemeClr val="tx1"/>
                 </a:solidFill>
@@ -3655,7 +3655,7 @@
               </a14:hiddenLine>
             </a:ext>
             <a:ext uri="{AF507438-7753-43E0-B8FC-AC1667EBCBE1}">
-              <a14:hiddenEffects xmlns:a14="http://schemas.microsoft.com/office/drawing/2010/main" xmlns="">
+              <a14:hiddenEffects xmlns="" xmlns:a14="http://schemas.microsoft.com/office/drawing/2010/main">
                 <a:effectLst>
                   <a:outerShdw dist="35921" dir="2700000" algn="ctr" rotWithShape="0">
                     <a:schemeClr val="bg2"/>
@@ -3847,14 +3847,14 @@
           <a:effectLst/>
           <a:extLst>
             <a:ext uri="{909E8E84-426E-40DD-AFC4-6F175D3DCCD1}">
-              <a14:hiddenFill xmlns:a14="http://schemas.microsoft.com/office/drawing/2010/main" xmlns="">
+              <a14:hiddenFill xmlns="" xmlns:a14="http://schemas.microsoft.com/office/drawing/2010/main">
                 <a:solidFill>
                   <a:schemeClr val="accent1"/>
                 </a:solidFill>
               </a14:hiddenFill>
             </a:ext>
             <a:ext uri="{91240B29-F687-4F45-9708-019B960494DF}">
-              <a14:hiddenLine xmlns:a14="http://schemas.microsoft.com/office/drawing/2010/main" xmlns="" w="9525">
+              <a14:hiddenLine xmlns="" xmlns:a14="http://schemas.microsoft.com/office/drawing/2010/main" w="9525">
                 <a:solidFill>
                   <a:schemeClr val="tx1"/>
                 </a:solidFill>
@@ -3864,7 +3864,7 @@
               </a14:hiddenLine>
             </a:ext>
             <a:ext uri="{AF507438-7753-43E0-B8FC-AC1667EBCBE1}">
-              <a14:hiddenEffects xmlns:a14="http://schemas.microsoft.com/office/drawing/2010/main" xmlns="">
+              <a14:hiddenEffects xmlns="" xmlns:a14="http://schemas.microsoft.com/office/drawing/2010/main">
                 <a:effectLst>
                   <a:outerShdw dist="35921" dir="2700000" algn="ctr" rotWithShape="0">
                     <a:schemeClr val="bg2"/>
@@ -4043,14 +4043,14 @@
           <a:effectLst/>
           <a:extLst>
             <a:ext uri="{909E8E84-426E-40DD-AFC4-6F175D3DCCD1}">
-              <a14:hiddenFill xmlns:a14="http://schemas.microsoft.com/office/drawing/2010/main" xmlns="">
+              <a14:hiddenFill xmlns="" xmlns:a14="http://schemas.microsoft.com/office/drawing/2010/main">
                 <a:solidFill>
                   <a:schemeClr val="accent1"/>
                 </a:solidFill>
               </a14:hiddenFill>
             </a:ext>
             <a:ext uri="{91240B29-F687-4F45-9708-019B960494DF}">
-              <a14:hiddenLine xmlns:a14="http://schemas.microsoft.com/office/drawing/2010/main" xmlns="" w="9525">
+              <a14:hiddenLine xmlns="" xmlns:a14="http://schemas.microsoft.com/office/drawing/2010/main" w="9525">
                 <a:solidFill>
                   <a:srgbClr val="FFFFFF"/>
                 </a:solidFill>
@@ -4060,7 +4060,7 @@
               </a14:hiddenLine>
             </a:ext>
             <a:ext uri="{AF507438-7753-43E0-B8FC-AC1667EBCBE1}">
-              <a14:hiddenEffects xmlns:a14="http://schemas.microsoft.com/office/drawing/2010/main" xmlns="">
+              <a14:hiddenEffects xmlns="" xmlns:a14="http://schemas.microsoft.com/office/drawing/2010/main">
                 <a:effectLst>
                   <a:outerShdw dist="35921" dir="2700000" algn="ctr" rotWithShape="0">
                     <a:schemeClr val="bg2"/>
@@ -4629,7 +4629,15 @@
           <a:p>
             <a:r>
               <a:rPr lang="en-US" altLang="ko-KR" sz="2400" dirty="0" smtClean="0"/>
-              <a:t>2017. 1. 10 – 2017. 1. 24</a:t>
+              <a:t>2017. 1. </a:t>
+            </a:r>
+            <a:r>
+              <a:rPr lang="en-US" altLang="ko-KR" sz="2400" smtClean="0"/>
+              <a:t>17 </a:t>
+            </a:r>
+            <a:r>
+              <a:rPr lang="en-US" altLang="ko-KR" sz="2400" dirty="0" smtClean="0"/>
+              <a:t>– 2017. 1. 24</a:t>
             </a:r>
           </a:p>
           <a:p>
